--- a/Day2_AdvancedVisualizations/penguines.pptx
+++ b/Day2_AdvancedVisualizations/penguines.pptx
@@ -3587,7 +3587,7 @@
             <a:extLst>
               <a:ext uri="{BEBA8EAE-BF5A-486C-A8C5-ECC9F3942E4B}">
                 <a14:imgProps xmlns:a14="http://schemas.microsoft.com/office/drawing/2010/main">
-                  <a14:imgLayer r:embed="rId3">
+                  <a14:imgLayer r:embed="rId4">
                     <a14:imgEffect>
                       <a14:backgroundRemoval t="10000" b="90000" l="10000" r="90000">
                         <a14:foregroundMark x1="54746" y1="46471" x2="54746" y2="46471"/>
@@ -3790,8 +3790,8 @@
         </p:nvSpPr>
         <p:spPr>
           <a:xfrm>
-            <a:off x="5260244" y="3235544"/>
-            <a:ext cx="2970074" cy="769441"/>
+            <a:off x="3419088" y="2568279"/>
+            <a:ext cx="6293324" cy="2400657"/>
           </a:xfrm>
           <a:prstGeom prst="rect">
             <a:avLst/>
@@ -3805,10 +3805,10 @@
           <a:lstStyle/>
           <a:p>
             <a:r>
-              <a:rPr lang="en-GB" sz="4400" b="1" dirty="0"/>
+              <a:rPr lang="en-GB" sz="15000" b="1" dirty="0"/>
               <a:t>Adelie</a:t>
             </a:r>
-            <a:endParaRPr lang="en-FI" sz="4400" b="1" dirty="0"/>
+            <a:endParaRPr lang="en-FI" sz="15000" b="1" dirty="0"/>
           </a:p>
         </p:txBody>
       </p:sp>
@@ -3902,7 +3902,7 @@
         </p:blipFill>
         <p:spPr bwMode="auto">
           <a:xfrm>
-            <a:off x="2440198" y="-142394"/>
+            <a:off x="2924634" y="600733"/>
             <a:ext cx="6787885" cy="6070227"/>
           </a:xfrm>
           <a:prstGeom prst="rect">
@@ -3934,8 +3934,8 @@
         </p:nvSpPr>
         <p:spPr>
           <a:xfrm>
-            <a:off x="4795810" y="2892719"/>
-            <a:ext cx="2076659" cy="769441"/>
+            <a:off x="2924634" y="2769152"/>
+            <a:ext cx="6628994" cy="2400657"/>
           </a:xfrm>
           <a:prstGeom prst="rect">
             <a:avLst/>
@@ -3949,10 +3949,10 @@
           <a:lstStyle/>
           <a:p>
             <a:r>
-              <a:rPr lang="en-GB" sz="4400" b="1" dirty="0"/>
+              <a:rPr lang="en-GB" sz="15000" b="1" dirty="0"/>
               <a:t>Gentoo</a:t>
             </a:r>
-            <a:endParaRPr lang="en-FI" sz="4400" b="1" dirty="0"/>
+            <a:endParaRPr lang="en-FI" sz="15000" b="1" dirty="0"/>
           </a:p>
         </p:txBody>
       </p:sp>
@@ -4078,8 +4078,8 @@
         </p:nvSpPr>
         <p:spPr>
           <a:xfrm>
-            <a:off x="4338170" y="3191446"/>
-            <a:ext cx="2708755" cy="769441"/>
+            <a:off x="1329823" y="1991117"/>
+            <a:ext cx="8791638" cy="2400657"/>
           </a:xfrm>
           <a:prstGeom prst="rect">
             <a:avLst/>
@@ -4093,7 +4093,7 @@
           <a:lstStyle/>
           <a:p>
             <a:r>
-              <a:rPr lang="en-FI" sz="4400" b="1" dirty="0"/>
+              <a:rPr lang="en-FI" sz="15000" b="1" dirty="0"/>
               <a:t>Chinstrap</a:t>
             </a:r>
           </a:p>

--- a/Day2_AdvancedVisualizations/penguines.pptx
+++ b/Day2_AdvancedVisualizations/penguines.pptx
@@ -9,6 +9,9 @@
     <p:sldId id="257" r:id="rId3"/>
     <p:sldId id="259" r:id="rId4"/>
     <p:sldId id="258" r:id="rId5"/>
+    <p:sldId id="260" r:id="rId6"/>
+    <p:sldId id="261" r:id="rId7"/>
+    <p:sldId id="262" r:id="rId8"/>
   </p:sldIdLst>
   <p:sldSz cx="12192000" cy="6858000"/>
   <p:notesSz cx="6858000" cy="9144000"/>
@@ -107,6 +110,11 @@
       </a:defRPr>
     </a:lvl9pPr>
   </p:defaultTextStyle>
+  <p:extLst>
+    <p:ext uri="{EFAFB233-063F-42B5-8137-9DF3F51BA10A}">
+      <p15:sldGuideLst xmlns:p15="http://schemas.microsoft.com/office/powerpoint/2012/main"/>
+    </p:ext>
+  </p:extLst>
 </p:presentation>
 </file>
 
@@ -259,7 +267,7 @@
           <a:p>
             <a:fld id="{F654FD97-0027-F34D-9B02-E470CE697EFC}" type="datetimeFigureOut">
               <a:rPr lang="en-FI" smtClean="0"/>
-              <a:t>1.7.2025</a:t>
+              <a:t>2.7.2025</a:t>
             </a:fld>
             <a:endParaRPr lang="en-FI"/>
           </a:p>
@@ -459,7 +467,7 @@
           <a:p>
             <a:fld id="{F654FD97-0027-F34D-9B02-E470CE697EFC}" type="datetimeFigureOut">
               <a:rPr lang="en-FI" smtClean="0"/>
-              <a:t>1.7.2025</a:t>
+              <a:t>2.7.2025</a:t>
             </a:fld>
             <a:endParaRPr lang="en-FI"/>
           </a:p>
@@ -669,7 +677,7 @@
           <a:p>
             <a:fld id="{F654FD97-0027-F34D-9B02-E470CE697EFC}" type="datetimeFigureOut">
               <a:rPr lang="en-FI" smtClean="0"/>
-              <a:t>1.7.2025</a:t>
+              <a:t>2.7.2025</a:t>
             </a:fld>
             <a:endParaRPr lang="en-FI"/>
           </a:p>
@@ -869,7 +877,7 @@
           <a:p>
             <a:fld id="{F654FD97-0027-F34D-9B02-E470CE697EFC}" type="datetimeFigureOut">
               <a:rPr lang="en-FI" smtClean="0"/>
-              <a:t>1.7.2025</a:t>
+              <a:t>2.7.2025</a:t>
             </a:fld>
             <a:endParaRPr lang="en-FI"/>
           </a:p>
@@ -1145,7 +1153,7 @@
           <a:p>
             <a:fld id="{F654FD97-0027-F34D-9B02-E470CE697EFC}" type="datetimeFigureOut">
               <a:rPr lang="en-FI" smtClean="0"/>
-              <a:t>1.7.2025</a:t>
+              <a:t>2.7.2025</a:t>
             </a:fld>
             <a:endParaRPr lang="en-FI"/>
           </a:p>
@@ -1413,7 +1421,7 @@
           <a:p>
             <a:fld id="{F654FD97-0027-F34D-9B02-E470CE697EFC}" type="datetimeFigureOut">
               <a:rPr lang="en-FI" smtClean="0"/>
-              <a:t>1.7.2025</a:t>
+              <a:t>2.7.2025</a:t>
             </a:fld>
             <a:endParaRPr lang="en-FI"/>
           </a:p>
@@ -1828,7 +1836,7 @@
           <a:p>
             <a:fld id="{F654FD97-0027-F34D-9B02-E470CE697EFC}" type="datetimeFigureOut">
               <a:rPr lang="en-FI" smtClean="0"/>
-              <a:t>1.7.2025</a:t>
+              <a:t>2.7.2025</a:t>
             </a:fld>
             <a:endParaRPr lang="en-FI"/>
           </a:p>
@@ -1970,7 +1978,7 @@
           <a:p>
             <a:fld id="{F654FD97-0027-F34D-9B02-E470CE697EFC}" type="datetimeFigureOut">
               <a:rPr lang="en-FI" smtClean="0"/>
-              <a:t>1.7.2025</a:t>
+              <a:t>2.7.2025</a:t>
             </a:fld>
             <a:endParaRPr lang="en-FI"/>
           </a:p>
@@ -2083,7 +2091,7 @@
           <a:p>
             <a:fld id="{F654FD97-0027-F34D-9B02-E470CE697EFC}" type="datetimeFigureOut">
               <a:rPr lang="en-FI" smtClean="0"/>
-              <a:t>1.7.2025</a:t>
+              <a:t>2.7.2025</a:t>
             </a:fld>
             <a:endParaRPr lang="en-FI"/>
           </a:p>
@@ -2396,7 +2404,7 @@
           <a:p>
             <a:fld id="{F654FD97-0027-F34D-9B02-E470CE697EFC}" type="datetimeFigureOut">
               <a:rPr lang="en-FI" smtClean="0"/>
-              <a:t>1.7.2025</a:t>
+              <a:t>2.7.2025</a:t>
             </a:fld>
             <a:endParaRPr lang="en-FI"/>
           </a:p>
@@ -2685,7 +2693,7 @@
           <a:p>
             <a:fld id="{F654FD97-0027-F34D-9B02-E470CE697EFC}" type="datetimeFigureOut">
               <a:rPr lang="en-FI" smtClean="0"/>
-              <a:t>1.7.2025</a:t>
+              <a:t>2.7.2025</a:t>
             </a:fld>
             <a:endParaRPr lang="en-FI"/>
           </a:p>
@@ -2928,7 +2936,7 @@
           <a:p>
             <a:fld id="{F654FD97-0027-F34D-9B02-E470CE697EFC}" type="datetimeFigureOut">
               <a:rPr lang="en-FI" smtClean="0"/>
-              <a:t>1.7.2025</a:t>
+              <a:t>2.7.2025</a:t>
             </a:fld>
             <a:endParaRPr lang="en-FI"/>
           </a:p>
@@ -3479,7 +3487,7 @@
             <a:extLst>
               <a:ext uri="{BEBA8EAE-BF5A-486C-A8C5-ECC9F3942E4B}">
                 <a14:imgProps xmlns:a14="http://schemas.microsoft.com/office/drawing/2010/main">
-                  <a14:imgLayer r:embed="rId3">
+                  <a14:imgLayer r:embed="rId4">
                     <a14:imgEffect>
                       <a14:backgroundRemoval t="10000" b="90000" l="10000" r="90000">
                         <a14:foregroundMark x1="54746" y1="46471" x2="54746" y2="46471"/>
@@ -4103,6 +4111,341 @@
     <p:extLst>
       <p:ext uri="{BB962C8B-B14F-4D97-AF65-F5344CB8AC3E}">
         <p14:creationId xmlns:p14="http://schemas.microsoft.com/office/powerpoint/2010/main" val="2406842631"/>
+      </p:ext>
+    </p:extLst>
+  </p:cSld>
+  <p:clrMapOvr>
+    <a:masterClrMapping/>
+  </p:clrMapOvr>
+</p:sld>
+</file>
+
+<file path=ppt/slides/slide5.xml><?xml version="1.0" encoding="utf-8"?>
+<p:sld xmlns:a="http://schemas.openxmlformats.org/drawingml/2006/main" xmlns:r="http://schemas.openxmlformats.org/officeDocument/2006/relationships" xmlns:p="http://schemas.openxmlformats.org/presentationml/2006/main" showMasterSp="0">
+  <p:cSld>
+    <p:spTree>
+      <p:nvGrpSpPr>
+        <p:cNvPr id="1" name="">
+          <a:extLst>
+            <a:ext uri="{FF2B5EF4-FFF2-40B4-BE49-F238E27FC236}">
+              <a16:creationId xmlns:a16="http://schemas.microsoft.com/office/drawing/2014/main" id="{52DE5ECE-5084-0969-8825-6A3A193DEBEA}"/>
+            </a:ext>
+          </a:extLst>
+        </p:cNvPr>
+        <p:cNvGrpSpPr/>
+        <p:nvPr/>
+      </p:nvGrpSpPr>
+      <p:grpSpPr>
+        <a:xfrm>
+          <a:off x="0" y="0"/>
+          <a:ext cx="0" cy="0"/>
+          <a:chOff x="0" y="0"/>
+          <a:chExt cx="0" cy="0"/>
+        </a:xfrm>
+      </p:grpSpPr>
+      <p:pic>
+        <p:nvPicPr>
+          <p:cNvPr id="4100" name="Picture 4">
+            <a:extLst>
+              <a:ext uri="{FF2B5EF4-FFF2-40B4-BE49-F238E27FC236}">
+                <a16:creationId xmlns:a16="http://schemas.microsoft.com/office/drawing/2014/main" id="{AE732F14-A039-84C4-74CC-792518738462}"/>
+              </a:ext>
+            </a:extLst>
+          </p:cNvPr>
+          <p:cNvPicPr>
+            <a:picLocks noChangeAspect="1" noChangeArrowheads="1"/>
+          </p:cNvPicPr>
+          <p:nvPr/>
+        </p:nvPicPr>
+        <p:blipFill rotWithShape="1">
+          <a:blip r:embed="rId2">
+            <a:extLst>
+              <a:ext uri="{BEBA8EAE-BF5A-486C-A8C5-ECC9F3942E4B}">
+                <a14:imgProps xmlns:a14="http://schemas.microsoft.com/office/drawing/2010/main">
+                  <a14:imgLayer r:embed="rId3">
+                    <a14:imgEffect>
+                      <a14:backgroundRemoval t="1768" b="89899" l="9728" r="89494">
+                        <a14:foregroundMark x1="88716" y1="9343" x2="73152" y2="8838"/>
+                        <a14:foregroundMark x1="73152" y1="8838" x2="59533" y2="4545"/>
+                        <a14:foregroundMark x1="59533" y1="4545" x2="44358" y2="7323"/>
+                        <a14:foregroundMark x1="44358" y1="7323" x2="33463" y2="13636"/>
+                        <a14:foregroundMark x1="33463" y1="13636" x2="59533" y2="26010"/>
+                        <a14:foregroundMark x1="59533" y1="26010" x2="56031" y2="12121"/>
+                        <a14:foregroundMark x1="56031" y1="12121" x2="39106" y2="7681"/>
+                        <a14:foregroundMark x1="38285" y1="9384" x2="40467" y2="17677"/>
+                        <a14:foregroundMark x1="40467" y1="17677" x2="50973" y2="8838"/>
+                        <a14:foregroundMark x1="50973" y1="8838" x2="38891" y2="8125"/>
+                        <a14:foregroundMark x1="36098" y1="10825" x2="40856" y2="17172"/>
+                        <a14:foregroundMark x1="40856" y1="17172" x2="49805" y2="8586"/>
+                        <a14:foregroundMark x1="49805" y1="8586" x2="64591" y2="6061"/>
+                        <a14:foregroundMark x1="64591" y1="6061" x2="82490" y2="7576"/>
+                        <a14:foregroundMark x1="82490" y1="7576" x2="66537" y2="10606"/>
+                        <a14:foregroundMark x1="66537" y1="10606" x2="51751" y2="6818"/>
+                        <a14:foregroundMark x1="51751" y1="6818" x2="43969" y2="16919"/>
+                        <a14:foregroundMark x1="43969" y1="16919" x2="73541" y2="11869"/>
+                        <a14:foregroundMark x1="73541" y1="11869" x2="56031" y2="17677"/>
+                        <a14:foregroundMark x1="56031" y1="17677" x2="51751" y2="20707"/>
+                        <a14:foregroundMark x1="59144" y1="3283" x2="54475" y2="1768"/>
+                        <a14:backgroundMark x1="33074" y1="5808" x2="31128" y2="9848"/>
+                      </a14:backgroundRemoval>
+                    </a14:imgEffect>
+                  </a14:imgLayer>
+                </a14:imgProps>
+              </a:ext>
+              <a:ext uri="{28A0092B-C50C-407E-A947-70E740481C1C}">
+                <a14:useLocalDpi xmlns:a14="http://schemas.microsoft.com/office/drawing/2010/main" val="0"/>
+              </a:ext>
+            </a:extLst>
+          </a:blip>
+          <a:srcRect l="19655" r="5767" b="73446"/>
+          <a:stretch>
+            <a:fillRect/>
+          </a:stretch>
+        </p:blipFill>
+        <p:spPr bwMode="auto">
+          <a:xfrm>
+            <a:off x="4423861" y="2665722"/>
+            <a:ext cx="2782445" cy="1526555"/>
+          </a:xfrm>
+          <a:prstGeom prst="ellipse">
+            <a:avLst/>
+          </a:prstGeom>
+          <a:ln>
+            <a:noFill/>
+          </a:ln>
+          <a:effectLst>
+            <a:softEdge rad="112500"/>
+          </a:effectLst>
+          <a:extLst>
+            <a:ext uri="{909E8E84-426E-40DD-AFC4-6F175D3DCCD1}">
+              <a14:hiddenFill xmlns:a14="http://schemas.microsoft.com/office/drawing/2010/main">
+                <a:solidFill>
+                  <a:srgbClr val="FFFFFF"/>
+                </a:solidFill>
+              </a14:hiddenFill>
+            </a:ext>
+          </a:extLst>
+        </p:spPr>
+      </p:pic>
+    </p:spTree>
+    <p:extLst>
+      <p:ext uri="{BB962C8B-B14F-4D97-AF65-F5344CB8AC3E}">
+        <p14:creationId xmlns:p14="http://schemas.microsoft.com/office/powerpoint/2010/main" val="1436218704"/>
+      </p:ext>
+    </p:extLst>
+  </p:cSld>
+  <p:clrMapOvr>
+    <a:masterClrMapping/>
+  </p:clrMapOvr>
+</p:sld>
+</file>
+
+<file path=ppt/slides/slide6.xml><?xml version="1.0" encoding="utf-8"?>
+<p:sld xmlns:a="http://schemas.openxmlformats.org/drawingml/2006/main" xmlns:r="http://schemas.openxmlformats.org/officeDocument/2006/relationships" xmlns:p="http://schemas.openxmlformats.org/presentationml/2006/main" showMasterSp="0">
+  <p:cSld>
+    <p:spTree>
+      <p:nvGrpSpPr>
+        <p:cNvPr id="1" name="">
+          <a:extLst>
+            <a:ext uri="{FF2B5EF4-FFF2-40B4-BE49-F238E27FC236}">
+              <a16:creationId xmlns:a16="http://schemas.microsoft.com/office/drawing/2014/main" id="{853C8A04-3AE7-AA91-1B01-109E3421FB7A}"/>
+            </a:ext>
+          </a:extLst>
+        </p:cNvPr>
+        <p:cNvGrpSpPr/>
+        <p:nvPr/>
+      </p:nvGrpSpPr>
+      <p:grpSpPr>
+        <a:xfrm>
+          <a:off x="0" y="0"/>
+          <a:ext cx="0" cy="0"/>
+          <a:chOff x="0" y="0"/>
+          <a:chExt cx="0" cy="0"/>
+        </a:xfrm>
+      </p:grpSpPr>
+      <p:pic>
+        <p:nvPicPr>
+          <p:cNvPr id="6146" name="Picture 2" descr="Gentoo - Falklands Conservation">
+            <a:extLst>
+              <a:ext uri="{FF2B5EF4-FFF2-40B4-BE49-F238E27FC236}">
+                <a16:creationId xmlns:a16="http://schemas.microsoft.com/office/drawing/2014/main" id="{8C89C073-05A4-7182-A3DA-BA43D18038A8}"/>
+              </a:ext>
+            </a:extLst>
+          </p:cNvPr>
+          <p:cNvPicPr>
+            <a:picLocks noChangeAspect="1" noChangeArrowheads="1"/>
+          </p:cNvPicPr>
+          <p:nvPr/>
+        </p:nvPicPr>
+        <p:blipFill rotWithShape="1">
+          <a:blip r:embed="rId2">
+            <a:extLst>
+              <a:ext uri="{28A0092B-C50C-407E-A947-70E740481C1C}">
+                <a14:useLocalDpi xmlns:a14="http://schemas.microsoft.com/office/drawing/2010/main" val="0"/>
+              </a:ext>
+            </a:extLst>
+          </a:blip>
+          <a:srcRect l="31542" t="5847" r="23349" b="46105"/>
+          <a:stretch>
+            <a:fillRect/>
+          </a:stretch>
+        </p:blipFill>
+        <p:spPr bwMode="auto">
+          <a:xfrm>
+            <a:off x="4511635" y="2831307"/>
+            <a:ext cx="2467233" cy="1672377"/>
+          </a:xfrm>
+          <a:prstGeom prst="ellipse">
+            <a:avLst/>
+          </a:prstGeom>
+          <a:ln>
+            <a:noFill/>
+          </a:ln>
+          <a:effectLst>
+            <a:softEdge rad="112500"/>
+          </a:effectLst>
+          <a:extLst>
+            <a:ext uri="{909E8E84-426E-40DD-AFC4-6F175D3DCCD1}">
+              <a14:hiddenFill xmlns:a14="http://schemas.microsoft.com/office/drawing/2010/main">
+                <a:solidFill>
+                  <a:srgbClr val="FFFFFF"/>
+                </a:solidFill>
+              </a14:hiddenFill>
+            </a:ext>
+          </a:extLst>
+        </p:spPr>
+      </p:pic>
+    </p:spTree>
+    <p:extLst>
+      <p:ext uri="{BB962C8B-B14F-4D97-AF65-F5344CB8AC3E}">
+        <p14:creationId xmlns:p14="http://schemas.microsoft.com/office/powerpoint/2010/main" val="3769967371"/>
+      </p:ext>
+    </p:extLst>
+  </p:cSld>
+  <p:clrMapOvr>
+    <a:masterClrMapping/>
+  </p:clrMapOvr>
+</p:sld>
+</file>
+
+<file path=ppt/slides/slide7.xml><?xml version="1.0" encoding="utf-8"?>
+<p:sld xmlns:a="http://schemas.openxmlformats.org/drawingml/2006/main" xmlns:r="http://schemas.openxmlformats.org/officeDocument/2006/relationships" xmlns:p="http://schemas.openxmlformats.org/presentationml/2006/main" showMasterSp="0">
+  <p:cSld>
+    <p:spTree>
+      <p:nvGrpSpPr>
+        <p:cNvPr id="1" name="">
+          <a:extLst>
+            <a:ext uri="{FF2B5EF4-FFF2-40B4-BE49-F238E27FC236}">
+              <a16:creationId xmlns:a16="http://schemas.microsoft.com/office/drawing/2014/main" id="{1AC1684D-D804-F13E-D10A-258EEFF238EF}"/>
+            </a:ext>
+          </a:extLst>
+        </p:cNvPr>
+        <p:cNvGrpSpPr/>
+        <p:nvPr/>
+      </p:nvGrpSpPr>
+      <p:grpSpPr>
+        <a:xfrm>
+          <a:off x="0" y="0"/>
+          <a:ext cx="0" cy="0"/>
+          <a:chOff x="0" y="0"/>
+          <a:chExt cx="0" cy="0"/>
+        </a:xfrm>
+      </p:grpSpPr>
+      <p:pic>
+        <p:nvPicPr>
+          <p:cNvPr id="7172" name="Picture 4">
+            <a:extLst>
+              <a:ext uri="{FF2B5EF4-FFF2-40B4-BE49-F238E27FC236}">
+                <a16:creationId xmlns:a16="http://schemas.microsoft.com/office/drawing/2014/main" id="{E24006CD-8EAC-23A5-9ED7-4E8542E15B73}"/>
+              </a:ext>
+            </a:extLst>
+          </p:cNvPr>
+          <p:cNvPicPr>
+            <a:picLocks noChangeAspect="1" noChangeArrowheads="1"/>
+          </p:cNvPicPr>
+          <p:nvPr/>
+        </p:nvPicPr>
+        <p:blipFill rotWithShape="1">
+          <a:blip r:embed="rId2">
+            <a:extLst>
+              <a:ext uri="{BEBA8EAE-BF5A-486C-A8C5-ECC9F3942E4B}">
+                <a14:imgProps xmlns:a14="http://schemas.microsoft.com/office/drawing/2010/main">
+                  <a14:imgLayer r:embed="rId3">
+                    <a14:imgEffect>
+                      <a14:backgroundRemoval t="12100" b="32450" l="36929" r="81124">
+                        <a14:foregroundMark x1="80150" y1="15500" x2="80599" y2="15500"/>
+                        <a14:foregroundMark x1="80824" y1="15450" x2="81124" y2="15800"/>
+                        <a14:foregroundMark x1="63895" y1="19150" x2="61948" y2="19900"/>
+                        <a14:foregroundMark x1="37378" y1="28200" x2="36929" y2="28050"/>
+                        <a14:foregroundMark x1="68090" y1="26350" x2="65169" y2="29400"/>
+                        <a14:foregroundMark x1="65169" y1="29400" x2="64494" y2="31300"/>
+                        <a14:foregroundMark x1="64494" y1="31300" x2="62921" y2="32750"/>
+                        <a14:foregroundMark x1="62921" y1="32750" x2="48839" y2="32050"/>
+                        <a14:foregroundMark x1="48839" y1="32050" x2="42697" y2="30600"/>
+                        <a14:foregroundMark x1="42697" y1="30600" x2="46891" y2="28250"/>
+                        <a14:foregroundMark x1="46891" y1="28250" x2="50562" y2="27850"/>
+                        <a14:foregroundMark x1="50562" y1="27850" x2="55581" y2="30400"/>
+                        <a14:foregroundMark x1="55581" y1="30400" x2="58427" y2="30650"/>
+                        <a14:foregroundMark x1="58427" y1="30650" x2="61498" y2="29950"/>
+                        <a14:foregroundMark x1="61498" y1="29950" x2="65618" y2="25000"/>
+                        <a14:foregroundMark x1="65618" y1="25000" x2="61049" y2="25400"/>
+                        <a14:foregroundMark x1="61049" y1="25400" x2="54082" y2="28850"/>
+                        <a14:foregroundMark x1="54082" y1="28850" x2="53633" y2="25900"/>
+                        <a14:foregroundMark x1="53633" y1="25900" x2="55131" y2="24000"/>
+                        <a14:foregroundMark x1="55131" y1="24000" x2="57828" y2="24800"/>
+                        <a14:foregroundMark x1="57828" y1="24800" x2="59925" y2="24350"/>
+                        <a14:foregroundMark x1="67041" y1="27100" x2="65468" y2="29000"/>
+                        <a14:foregroundMark x1="65468" y1="29000" x2="65318" y2="32650"/>
+                        <a14:foregroundMark x1="65318" y1="32650" x2="62547" y2="33150"/>
+                        <a14:foregroundMark x1="62547" y1="33150" x2="47116" y2="32450"/>
+                        <a14:foregroundMark x1="47116" y1="32450" x2="44719" y2="31950"/>
+                        <a14:foregroundMark x1="44719" y1="31950" x2="42322" y2="31000"/>
+                        <a14:foregroundMark x1="42322" y1="31000" x2="40749" y2="29100"/>
+                        <a14:foregroundMark x1="40749" y1="29100" x2="41199" y2="28600"/>
+                      </a14:backgroundRemoval>
+                    </a14:imgEffect>
+                  </a14:imgLayer>
+                </a14:imgProps>
+              </a:ext>
+              <a:ext uri="{28A0092B-C50C-407E-A947-70E740481C1C}">
+                <a14:useLocalDpi xmlns:a14="http://schemas.microsoft.com/office/drawing/2010/main" val="0"/>
+              </a:ext>
+            </a:extLst>
+          </a:blip>
+          <a:srcRect l="32367" t="9730" r="14464" b="66306"/>
+          <a:stretch>
+            <a:fillRect/>
+          </a:stretch>
+        </p:blipFill>
+        <p:spPr bwMode="auto">
+          <a:xfrm>
+            <a:off x="4371452" y="2428202"/>
+            <a:ext cx="2964768" cy="2001595"/>
+          </a:xfrm>
+          <a:prstGeom prst="ellipse">
+            <a:avLst/>
+          </a:prstGeom>
+          <a:ln>
+            <a:noFill/>
+          </a:ln>
+          <a:effectLst>
+            <a:softEdge rad="112500"/>
+          </a:effectLst>
+          <a:extLst>
+            <a:ext uri="{909E8E84-426E-40DD-AFC4-6F175D3DCCD1}">
+              <a14:hiddenFill xmlns:a14="http://schemas.microsoft.com/office/drawing/2010/main">
+                <a:solidFill>
+                  <a:srgbClr val="FFFFFF"/>
+                </a:solidFill>
+              </a14:hiddenFill>
+            </a:ext>
+          </a:extLst>
+        </p:spPr>
+      </p:pic>
+    </p:spTree>
+    <p:extLst>
+      <p:ext uri="{BB962C8B-B14F-4D97-AF65-F5344CB8AC3E}">
+        <p14:creationId xmlns:p14="http://schemas.microsoft.com/office/powerpoint/2010/main" val="1819895688"/>
       </p:ext>
     </p:extLst>
   </p:cSld>
